--- a/ppt 16-9/0564.愿那灵火复兴我.pptx
+++ b/ppt 16-9/0564.愿那灵火复兴我.pptx
@@ -5,7 +5,7 @@
     <p:sldMasterId id="2147483648" r:id="rId1"/>
   </p:sldMasterIdLst>
   <p:sldIdLst>
-    <p:sldId id="2319" r:id="rId2"/>
+    <p:sldId id="2320" r:id="rId2"/>
   </p:sldIdLst>
   <p:sldSz cx="12192000" cy="6858000"/>
   <p:notesSz cx="6858000" cy="9144000"/>
@@ -129,7 +129,7 @@
           <p:cNvPr id="2" name="标题 1">
             <a:extLst>
               <a:ext uri="{FF2B5EF4-FFF2-40B4-BE49-F238E27FC236}">
-                <a16:creationId xmlns:a16="http://schemas.microsoft.com/office/drawing/2014/main" id="{D3A88AF3-6319-0124-DA2F-8058B938C220}"/>
+                <a16:creationId xmlns:a16="http://schemas.microsoft.com/office/drawing/2014/main" id="{2EC76125-CA7B-7E42-A27B-18CA3FE72789}"/>
               </a:ext>
             </a:extLst>
           </p:cNvPr>
@@ -166,7 +166,7 @@
           <p:cNvPr id="3" name="副标题 2">
             <a:extLst>
               <a:ext uri="{FF2B5EF4-FFF2-40B4-BE49-F238E27FC236}">
-                <a16:creationId xmlns:a16="http://schemas.microsoft.com/office/drawing/2014/main" id="{D2E7434C-3316-FBD3-7FE7-6F86A456EB16}"/>
+                <a16:creationId xmlns:a16="http://schemas.microsoft.com/office/drawing/2014/main" id="{E64A8BD9-40EA-02E8-F3BF-494A3EE119D9}"/>
               </a:ext>
             </a:extLst>
           </p:cNvPr>
@@ -236,7 +236,7 @@
           <p:cNvPr id="4" name="日期占位符 3">
             <a:extLst>
               <a:ext uri="{FF2B5EF4-FFF2-40B4-BE49-F238E27FC236}">
-                <a16:creationId xmlns:a16="http://schemas.microsoft.com/office/drawing/2014/main" id="{EAEC9108-7373-CF31-B641-2186E573E0DC}"/>
+                <a16:creationId xmlns:a16="http://schemas.microsoft.com/office/drawing/2014/main" id="{185EB243-7956-97A5-953D-2A7F699D6039}"/>
               </a:ext>
             </a:extLst>
           </p:cNvPr>
@@ -252,7 +252,7 @@
           <a:bodyPr/>
           <a:lstStyle/>
           <a:p>
-            <a:fld id="{4E9E9B65-244C-40C7-9909-03C1F9752A6B}" type="datetimeFigureOut">
+            <a:fld id="{68DFDA69-7620-4E21-A531-21328FD170B0}" type="datetimeFigureOut">
               <a:rPr lang="zh-CN" altLang="en-US" smtClean="0"/>
               <a:t>2024/3/10</a:t>
             </a:fld>
@@ -265,7 +265,7 @@
           <p:cNvPr id="5" name="页脚占位符 4">
             <a:extLst>
               <a:ext uri="{FF2B5EF4-FFF2-40B4-BE49-F238E27FC236}">
-                <a16:creationId xmlns:a16="http://schemas.microsoft.com/office/drawing/2014/main" id="{61DF8C2A-FC64-4999-5113-D4C1D220A274}"/>
+                <a16:creationId xmlns:a16="http://schemas.microsoft.com/office/drawing/2014/main" id="{2EF7CDB7-6346-2453-90CE-A20A4BE5E3E8}"/>
               </a:ext>
             </a:extLst>
           </p:cNvPr>
@@ -290,7 +290,7 @@
           <p:cNvPr id="6" name="灯片编号占位符 5">
             <a:extLst>
               <a:ext uri="{FF2B5EF4-FFF2-40B4-BE49-F238E27FC236}">
-                <a16:creationId xmlns:a16="http://schemas.microsoft.com/office/drawing/2014/main" id="{9DD936B3-A453-886F-35CC-9AA463C630C0}"/>
+                <a16:creationId xmlns:a16="http://schemas.microsoft.com/office/drawing/2014/main" id="{57D2068C-FD15-134F-4C7F-4EBBC695554C}"/>
               </a:ext>
             </a:extLst>
           </p:cNvPr>
@@ -306,7 +306,7 @@
           <a:bodyPr/>
           <a:lstStyle/>
           <a:p>
-            <a:fld id="{0A0DBDE4-36FE-436D-8698-D4F7C3D2F40C}" type="slidenum">
+            <a:fld id="{9E6DBB7E-C38B-483E-A894-811B8891BE5B}" type="slidenum">
               <a:rPr lang="zh-CN" altLang="en-US" smtClean="0"/>
               <a:t>‹#›</a:t>
             </a:fld>
@@ -317,7 +317,7 @@
     </p:spTree>
     <p:extLst>
       <p:ext uri="{BB962C8B-B14F-4D97-AF65-F5344CB8AC3E}">
-        <p14:creationId xmlns:p14="http://schemas.microsoft.com/office/powerpoint/2010/main" val="2084154429"/>
+        <p14:creationId xmlns:p14="http://schemas.microsoft.com/office/powerpoint/2010/main" val="1569059439"/>
       </p:ext>
     </p:extLst>
   </p:cSld>
@@ -349,7 +349,7 @@
           <p:cNvPr id="2" name="标题 1">
             <a:extLst>
               <a:ext uri="{FF2B5EF4-FFF2-40B4-BE49-F238E27FC236}">
-                <a16:creationId xmlns:a16="http://schemas.microsoft.com/office/drawing/2014/main" id="{248BE365-B996-9A7F-B043-4B8FF982574E}"/>
+                <a16:creationId xmlns:a16="http://schemas.microsoft.com/office/drawing/2014/main" id="{E344ECFD-A670-A0FA-BA4F-D889AF8A9453}"/>
               </a:ext>
             </a:extLst>
           </p:cNvPr>
@@ -377,7 +377,7 @@
           <p:cNvPr id="3" name="竖排文字占位符 2">
             <a:extLst>
               <a:ext uri="{FF2B5EF4-FFF2-40B4-BE49-F238E27FC236}">
-                <a16:creationId xmlns:a16="http://schemas.microsoft.com/office/drawing/2014/main" id="{BDA61811-7CD5-9DDE-7875-B941E9FA8161}"/>
+                <a16:creationId xmlns:a16="http://schemas.microsoft.com/office/drawing/2014/main" id="{FC4EBE1E-F85D-F263-04D6-26B6914FDDC3}"/>
               </a:ext>
             </a:extLst>
           </p:cNvPr>
@@ -434,7 +434,7 @@
           <p:cNvPr id="4" name="日期占位符 3">
             <a:extLst>
               <a:ext uri="{FF2B5EF4-FFF2-40B4-BE49-F238E27FC236}">
-                <a16:creationId xmlns:a16="http://schemas.microsoft.com/office/drawing/2014/main" id="{F02AD7FD-6341-AB75-3184-66685E2FDAB3}"/>
+                <a16:creationId xmlns:a16="http://schemas.microsoft.com/office/drawing/2014/main" id="{8DAB1FBA-3476-D62D-F3F0-A095B2E20793}"/>
               </a:ext>
             </a:extLst>
           </p:cNvPr>
@@ -450,7 +450,7 @@
           <a:bodyPr/>
           <a:lstStyle/>
           <a:p>
-            <a:fld id="{4E9E9B65-244C-40C7-9909-03C1F9752A6B}" type="datetimeFigureOut">
+            <a:fld id="{68DFDA69-7620-4E21-A531-21328FD170B0}" type="datetimeFigureOut">
               <a:rPr lang="zh-CN" altLang="en-US" smtClean="0"/>
               <a:t>2024/3/10</a:t>
             </a:fld>
@@ -463,7 +463,7 @@
           <p:cNvPr id="5" name="页脚占位符 4">
             <a:extLst>
               <a:ext uri="{FF2B5EF4-FFF2-40B4-BE49-F238E27FC236}">
-                <a16:creationId xmlns:a16="http://schemas.microsoft.com/office/drawing/2014/main" id="{AA95CEEE-096C-BBB2-93B2-51E3BAEC1BCB}"/>
+                <a16:creationId xmlns:a16="http://schemas.microsoft.com/office/drawing/2014/main" id="{941A2258-A17E-2954-8C34-FBA744CAA52C}"/>
               </a:ext>
             </a:extLst>
           </p:cNvPr>
@@ -488,7 +488,7 @@
           <p:cNvPr id="6" name="灯片编号占位符 5">
             <a:extLst>
               <a:ext uri="{FF2B5EF4-FFF2-40B4-BE49-F238E27FC236}">
-                <a16:creationId xmlns:a16="http://schemas.microsoft.com/office/drawing/2014/main" id="{0F2E4261-8A37-A406-3BBE-3AC2A6906CFD}"/>
+                <a16:creationId xmlns:a16="http://schemas.microsoft.com/office/drawing/2014/main" id="{A9925A5E-F8AA-8461-03BE-BD378AD1DCD5}"/>
               </a:ext>
             </a:extLst>
           </p:cNvPr>
@@ -504,7 +504,7 @@
           <a:bodyPr/>
           <a:lstStyle/>
           <a:p>
-            <a:fld id="{0A0DBDE4-36FE-436D-8698-D4F7C3D2F40C}" type="slidenum">
+            <a:fld id="{9E6DBB7E-C38B-483E-A894-811B8891BE5B}" type="slidenum">
               <a:rPr lang="zh-CN" altLang="en-US" smtClean="0"/>
               <a:t>‹#›</a:t>
             </a:fld>
@@ -515,7 +515,7 @@
     </p:spTree>
     <p:extLst>
       <p:ext uri="{BB962C8B-B14F-4D97-AF65-F5344CB8AC3E}">
-        <p14:creationId xmlns:p14="http://schemas.microsoft.com/office/powerpoint/2010/main" val="3363249807"/>
+        <p14:creationId xmlns:p14="http://schemas.microsoft.com/office/powerpoint/2010/main" val="688886266"/>
       </p:ext>
     </p:extLst>
   </p:cSld>
@@ -547,7 +547,7 @@
           <p:cNvPr id="2" name="竖排标题 1">
             <a:extLst>
               <a:ext uri="{FF2B5EF4-FFF2-40B4-BE49-F238E27FC236}">
-                <a16:creationId xmlns:a16="http://schemas.microsoft.com/office/drawing/2014/main" id="{361E37C1-7470-6ECE-8895-CB91348B02AD}"/>
+                <a16:creationId xmlns:a16="http://schemas.microsoft.com/office/drawing/2014/main" id="{F6D01997-3611-E457-22C1-61D4F8BA0813}"/>
               </a:ext>
             </a:extLst>
           </p:cNvPr>
@@ -580,7 +580,7 @@
           <p:cNvPr id="3" name="竖排文字占位符 2">
             <a:extLst>
               <a:ext uri="{FF2B5EF4-FFF2-40B4-BE49-F238E27FC236}">
-                <a16:creationId xmlns:a16="http://schemas.microsoft.com/office/drawing/2014/main" id="{5D96A835-8C85-3D3F-0E5E-0A60897A5A38}"/>
+                <a16:creationId xmlns:a16="http://schemas.microsoft.com/office/drawing/2014/main" id="{C1D50CEA-E991-F2B6-9E84-7CA1891E3451}"/>
               </a:ext>
             </a:extLst>
           </p:cNvPr>
@@ -642,7 +642,7 @@
           <p:cNvPr id="4" name="日期占位符 3">
             <a:extLst>
               <a:ext uri="{FF2B5EF4-FFF2-40B4-BE49-F238E27FC236}">
-                <a16:creationId xmlns:a16="http://schemas.microsoft.com/office/drawing/2014/main" id="{23F63678-6638-0693-4FD8-A3084D1A3D30}"/>
+                <a16:creationId xmlns:a16="http://schemas.microsoft.com/office/drawing/2014/main" id="{14D05012-B944-398B-13CE-D3719A221394}"/>
               </a:ext>
             </a:extLst>
           </p:cNvPr>
@@ -658,7 +658,7 @@
           <a:bodyPr/>
           <a:lstStyle/>
           <a:p>
-            <a:fld id="{4E9E9B65-244C-40C7-9909-03C1F9752A6B}" type="datetimeFigureOut">
+            <a:fld id="{68DFDA69-7620-4E21-A531-21328FD170B0}" type="datetimeFigureOut">
               <a:rPr lang="zh-CN" altLang="en-US" smtClean="0"/>
               <a:t>2024/3/10</a:t>
             </a:fld>
@@ -671,7 +671,7 @@
           <p:cNvPr id="5" name="页脚占位符 4">
             <a:extLst>
               <a:ext uri="{FF2B5EF4-FFF2-40B4-BE49-F238E27FC236}">
-                <a16:creationId xmlns:a16="http://schemas.microsoft.com/office/drawing/2014/main" id="{03A4B7CD-F47F-2B6E-7B27-505841A55926}"/>
+                <a16:creationId xmlns:a16="http://schemas.microsoft.com/office/drawing/2014/main" id="{A752DD2E-59E8-2DC1-B636-352429264490}"/>
               </a:ext>
             </a:extLst>
           </p:cNvPr>
@@ -696,7 +696,7 @@
           <p:cNvPr id="6" name="灯片编号占位符 5">
             <a:extLst>
               <a:ext uri="{FF2B5EF4-FFF2-40B4-BE49-F238E27FC236}">
-                <a16:creationId xmlns:a16="http://schemas.microsoft.com/office/drawing/2014/main" id="{BB7ACB0B-9E2D-8672-519E-88459506DE6C}"/>
+                <a16:creationId xmlns:a16="http://schemas.microsoft.com/office/drawing/2014/main" id="{69B1ADAD-D8F1-4313-D0A9-22E050D7A96D}"/>
               </a:ext>
             </a:extLst>
           </p:cNvPr>
@@ -712,7 +712,7 @@
           <a:bodyPr/>
           <a:lstStyle/>
           <a:p>
-            <a:fld id="{0A0DBDE4-36FE-436D-8698-D4F7C3D2F40C}" type="slidenum">
+            <a:fld id="{9E6DBB7E-C38B-483E-A894-811B8891BE5B}" type="slidenum">
               <a:rPr lang="zh-CN" altLang="en-US" smtClean="0"/>
               <a:t>‹#›</a:t>
             </a:fld>
@@ -723,7 +723,7 @@
     </p:spTree>
     <p:extLst>
       <p:ext uri="{BB962C8B-B14F-4D97-AF65-F5344CB8AC3E}">
-        <p14:creationId xmlns:p14="http://schemas.microsoft.com/office/powerpoint/2010/main" val="2401108004"/>
+        <p14:creationId xmlns:p14="http://schemas.microsoft.com/office/powerpoint/2010/main" val="1866383745"/>
       </p:ext>
     </p:extLst>
   </p:cSld>
@@ -755,7 +755,7 @@
           <p:cNvPr id="2" name="标题 1">
             <a:extLst>
               <a:ext uri="{FF2B5EF4-FFF2-40B4-BE49-F238E27FC236}">
-                <a16:creationId xmlns:a16="http://schemas.microsoft.com/office/drawing/2014/main" id="{7D678D9C-9752-C86B-B6C2-DEE25A191848}"/>
+                <a16:creationId xmlns:a16="http://schemas.microsoft.com/office/drawing/2014/main" id="{8F7F9342-2EE1-9CDF-3AE2-28F31616F580}"/>
               </a:ext>
             </a:extLst>
           </p:cNvPr>
@@ -783,7 +783,7 @@
           <p:cNvPr id="3" name="内容占位符 2">
             <a:extLst>
               <a:ext uri="{FF2B5EF4-FFF2-40B4-BE49-F238E27FC236}">
-                <a16:creationId xmlns:a16="http://schemas.microsoft.com/office/drawing/2014/main" id="{277C19AF-F0C1-1A06-16FC-7000614F8581}"/>
+                <a16:creationId xmlns:a16="http://schemas.microsoft.com/office/drawing/2014/main" id="{F2AF67AB-E218-2AB6-AAC9-B822D88F087A}"/>
               </a:ext>
             </a:extLst>
           </p:cNvPr>
@@ -840,7 +840,7 @@
           <p:cNvPr id="4" name="日期占位符 3">
             <a:extLst>
               <a:ext uri="{FF2B5EF4-FFF2-40B4-BE49-F238E27FC236}">
-                <a16:creationId xmlns:a16="http://schemas.microsoft.com/office/drawing/2014/main" id="{A7C73DCD-38B0-85FF-1A02-1ED88510F421}"/>
+                <a16:creationId xmlns:a16="http://schemas.microsoft.com/office/drawing/2014/main" id="{7E1436A6-B136-850E-9B0D-2100BBB5AF14}"/>
               </a:ext>
             </a:extLst>
           </p:cNvPr>
@@ -856,7 +856,7 @@
           <a:bodyPr/>
           <a:lstStyle/>
           <a:p>
-            <a:fld id="{4E9E9B65-244C-40C7-9909-03C1F9752A6B}" type="datetimeFigureOut">
+            <a:fld id="{68DFDA69-7620-4E21-A531-21328FD170B0}" type="datetimeFigureOut">
               <a:rPr lang="zh-CN" altLang="en-US" smtClean="0"/>
               <a:t>2024/3/10</a:t>
             </a:fld>
@@ -869,7 +869,7 @@
           <p:cNvPr id="5" name="页脚占位符 4">
             <a:extLst>
               <a:ext uri="{FF2B5EF4-FFF2-40B4-BE49-F238E27FC236}">
-                <a16:creationId xmlns:a16="http://schemas.microsoft.com/office/drawing/2014/main" id="{50888B35-37AD-E096-AE85-F2F7E7A57609}"/>
+                <a16:creationId xmlns:a16="http://schemas.microsoft.com/office/drawing/2014/main" id="{C1C9D44C-D3E4-D8D7-DB2C-68DEA7612065}"/>
               </a:ext>
             </a:extLst>
           </p:cNvPr>
@@ -894,7 +894,7 @@
           <p:cNvPr id="6" name="灯片编号占位符 5">
             <a:extLst>
               <a:ext uri="{FF2B5EF4-FFF2-40B4-BE49-F238E27FC236}">
-                <a16:creationId xmlns:a16="http://schemas.microsoft.com/office/drawing/2014/main" id="{9D3906FB-6963-C9EC-5749-B2A38C992FC3}"/>
+                <a16:creationId xmlns:a16="http://schemas.microsoft.com/office/drawing/2014/main" id="{20CF1C17-0088-50BA-7B5D-5E09689D9FA5}"/>
               </a:ext>
             </a:extLst>
           </p:cNvPr>
@@ -910,7 +910,7 @@
           <a:bodyPr/>
           <a:lstStyle/>
           <a:p>
-            <a:fld id="{0A0DBDE4-36FE-436D-8698-D4F7C3D2F40C}" type="slidenum">
+            <a:fld id="{9E6DBB7E-C38B-483E-A894-811B8891BE5B}" type="slidenum">
               <a:rPr lang="zh-CN" altLang="en-US" smtClean="0"/>
               <a:t>‹#›</a:t>
             </a:fld>
@@ -921,7 +921,7 @@
     </p:spTree>
     <p:extLst>
       <p:ext uri="{BB962C8B-B14F-4D97-AF65-F5344CB8AC3E}">
-        <p14:creationId xmlns:p14="http://schemas.microsoft.com/office/powerpoint/2010/main" val="822140847"/>
+        <p14:creationId xmlns:p14="http://schemas.microsoft.com/office/powerpoint/2010/main" val="3709480805"/>
       </p:ext>
     </p:extLst>
   </p:cSld>
@@ -953,7 +953,7 @@
           <p:cNvPr id="2" name="标题 1">
             <a:extLst>
               <a:ext uri="{FF2B5EF4-FFF2-40B4-BE49-F238E27FC236}">
-                <a16:creationId xmlns:a16="http://schemas.microsoft.com/office/drawing/2014/main" id="{1F1BC3FE-4D24-13B7-2193-EDB092553C68}"/>
+                <a16:creationId xmlns:a16="http://schemas.microsoft.com/office/drawing/2014/main" id="{BFD1356B-4066-ABD2-8599-8CA50AA81A1F}"/>
               </a:ext>
             </a:extLst>
           </p:cNvPr>
@@ -990,7 +990,7 @@
           <p:cNvPr id="3" name="文本占位符 2">
             <a:extLst>
               <a:ext uri="{FF2B5EF4-FFF2-40B4-BE49-F238E27FC236}">
-                <a16:creationId xmlns:a16="http://schemas.microsoft.com/office/drawing/2014/main" id="{F4ACF9D9-62D4-E5FC-078B-AC005CAD351F}"/>
+                <a16:creationId xmlns:a16="http://schemas.microsoft.com/office/drawing/2014/main" id="{FDB5AE9A-A0DC-C98D-6261-1F4AE5C8719D}"/>
               </a:ext>
             </a:extLst>
           </p:cNvPr>
@@ -1115,7 +1115,7 @@
           <p:cNvPr id="4" name="日期占位符 3">
             <a:extLst>
               <a:ext uri="{FF2B5EF4-FFF2-40B4-BE49-F238E27FC236}">
-                <a16:creationId xmlns:a16="http://schemas.microsoft.com/office/drawing/2014/main" id="{B72AC8CE-4B6C-914E-A115-33FDC6D254CF}"/>
+                <a16:creationId xmlns:a16="http://schemas.microsoft.com/office/drawing/2014/main" id="{F5CB5B0A-37D3-C02C-E472-DE1B709A11D8}"/>
               </a:ext>
             </a:extLst>
           </p:cNvPr>
@@ -1131,7 +1131,7 @@
           <a:bodyPr/>
           <a:lstStyle/>
           <a:p>
-            <a:fld id="{4E9E9B65-244C-40C7-9909-03C1F9752A6B}" type="datetimeFigureOut">
+            <a:fld id="{68DFDA69-7620-4E21-A531-21328FD170B0}" type="datetimeFigureOut">
               <a:rPr lang="zh-CN" altLang="en-US" smtClean="0"/>
               <a:t>2024/3/10</a:t>
             </a:fld>
@@ -1144,7 +1144,7 @@
           <p:cNvPr id="5" name="页脚占位符 4">
             <a:extLst>
               <a:ext uri="{FF2B5EF4-FFF2-40B4-BE49-F238E27FC236}">
-                <a16:creationId xmlns:a16="http://schemas.microsoft.com/office/drawing/2014/main" id="{25FE9C72-AB1D-6EA8-3484-51AC92F8BC1C}"/>
+                <a16:creationId xmlns:a16="http://schemas.microsoft.com/office/drawing/2014/main" id="{5582CF0B-714D-C8D4-48E6-F0CAA50E5EB2}"/>
               </a:ext>
             </a:extLst>
           </p:cNvPr>
@@ -1169,7 +1169,7 @@
           <p:cNvPr id="6" name="灯片编号占位符 5">
             <a:extLst>
               <a:ext uri="{FF2B5EF4-FFF2-40B4-BE49-F238E27FC236}">
-                <a16:creationId xmlns:a16="http://schemas.microsoft.com/office/drawing/2014/main" id="{39ACAFF4-4408-9938-07D2-D5B521032A51}"/>
+                <a16:creationId xmlns:a16="http://schemas.microsoft.com/office/drawing/2014/main" id="{EAF69C02-BE93-731F-2D5C-0F17F177F266}"/>
               </a:ext>
             </a:extLst>
           </p:cNvPr>
@@ -1185,7 +1185,7 @@
           <a:bodyPr/>
           <a:lstStyle/>
           <a:p>
-            <a:fld id="{0A0DBDE4-36FE-436D-8698-D4F7C3D2F40C}" type="slidenum">
+            <a:fld id="{9E6DBB7E-C38B-483E-A894-811B8891BE5B}" type="slidenum">
               <a:rPr lang="zh-CN" altLang="en-US" smtClean="0"/>
               <a:t>‹#›</a:t>
             </a:fld>
@@ -1196,7 +1196,7 @@
     </p:spTree>
     <p:extLst>
       <p:ext uri="{BB962C8B-B14F-4D97-AF65-F5344CB8AC3E}">
-        <p14:creationId xmlns:p14="http://schemas.microsoft.com/office/powerpoint/2010/main" val="3330840948"/>
+        <p14:creationId xmlns:p14="http://schemas.microsoft.com/office/powerpoint/2010/main" val="3532976443"/>
       </p:ext>
     </p:extLst>
   </p:cSld>
@@ -1228,7 +1228,7 @@
           <p:cNvPr id="2" name="标题 1">
             <a:extLst>
               <a:ext uri="{FF2B5EF4-FFF2-40B4-BE49-F238E27FC236}">
-                <a16:creationId xmlns:a16="http://schemas.microsoft.com/office/drawing/2014/main" id="{3DA95840-3B4A-915E-4AB0-2F70F3065E4B}"/>
+                <a16:creationId xmlns:a16="http://schemas.microsoft.com/office/drawing/2014/main" id="{549DB414-CFD7-55CF-2F77-7CA2812B0841}"/>
               </a:ext>
             </a:extLst>
           </p:cNvPr>
@@ -1256,7 +1256,7 @@
           <p:cNvPr id="3" name="内容占位符 2">
             <a:extLst>
               <a:ext uri="{FF2B5EF4-FFF2-40B4-BE49-F238E27FC236}">
-                <a16:creationId xmlns:a16="http://schemas.microsoft.com/office/drawing/2014/main" id="{F761F067-2F25-048A-37D1-EB8862F143E4}"/>
+                <a16:creationId xmlns:a16="http://schemas.microsoft.com/office/drawing/2014/main" id="{C02F5AC3-F692-555B-ADCD-A55D04C64658}"/>
               </a:ext>
             </a:extLst>
           </p:cNvPr>
@@ -1318,7 +1318,7 @@
           <p:cNvPr id="4" name="内容占位符 3">
             <a:extLst>
               <a:ext uri="{FF2B5EF4-FFF2-40B4-BE49-F238E27FC236}">
-                <a16:creationId xmlns:a16="http://schemas.microsoft.com/office/drawing/2014/main" id="{90FC5DAA-3B4D-ACA4-7D92-F643EFFAEB53}"/>
+                <a16:creationId xmlns:a16="http://schemas.microsoft.com/office/drawing/2014/main" id="{24051271-6BEE-23DD-728F-4722CF474145}"/>
               </a:ext>
             </a:extLst>
           </p:cNvPr>
@@ -1380,7 +1380,7 @@
           <p:cNvPr id="5" name="日期占位符 4">
             <a:extLst>
               <a:ext uri="{FF2B5EF4-FFF2-40B4-BE49-F238E27FC236}">
-                <a16:creationId xmlns:a16="http://schemas.microsoft.com/office/drawing/2014/main" id="{0C404EDB-2D2B-2987-56C7-5C4ECA21EB2D}"/>
+                <a16:creationId xmlns:a16="http://schemas.microsoft.com/office/drawing/2014/main" id="{4EC54933-5363-0CD8-9601-F45D9924E745}"/>
               </a:ext>
             </a:extLst>
           </p:cNvPr>
@@ -1396,7 +1396,7 @@
           <a:bodyPr/>
           <a:lstStyle/>
           <a:p>
-            <a:fld id="{4E9E9B65-244C-40C7-9909-03C1F9752A6B}" type="datetimeFigureOut">
+            <a:fld id="{68DFDA69-7620-4E21-A531-21328FD170B0}" type="datetimeFigureOut">
               <a:rPr lang="zh-CN" altLang="en-US" smtClean="0"/>
               <a:t>2024/3/10</a:t>
             </a:fld>
@@ -1409,7 +1409,7 @@
           <p:cNvPr id="6" name="页脚占位符 5">
             <a:extLst>
               <a:ext uri="{FF2B5EF4-FFF2-40B4-BE49-F238E27FC236}">
-                <a16:creationId xmlns:a16="http://schemas.microsoft.com/office/drawing/2014/main" id="{62FADE17-9E17-528B-EE10-4F936AFA33EC}"/>
+                <a16:creationId xmlns:a16="http://schemas.microsoft.com/office/drawing/2014/main" id="{1C3F421F-D051-4594-F2D2-F115DE0B8E4A}"/>
               </a:ext>
             </a:extLst>
           </p:cNvPr>
@@ -1434,7 +1434,7 @@
           <p:cNvPr id="7" name="灯片编号占位符 6">
             <a:extLst>
               <a:ext uri="{FF2B5EF4-FFF2-40B4-BE49-F238E27FC236}">
-                <a16:creationId xmlns:a16="http://schemas.microsoft.com/office/drawing/2014/main" id="{F2340E0F-DAC8-0044-B77B-559175533B8E}"/>
+                <a16:creationId xmlns:a16="http://schemas.microsoft.com/office/drawing/2014/main" id="{04A6CAE7-5FE9-2F47-E10D-C5E41EB496B2}"/>
               </a:ext>
             </a:extLst>
           </p:cNvPr>
@@ -1450,7 +1450,7 @@
           <a:bodyPr/>
           <a:lstStyle/>
           <a:p>
-            <a:fld id="{0A0DBDE4-36FE-436D-8698-D4F7C3D2F40C}" type="slidenum">
+            <a:fld id="{9E6DBB7E-C38B-483E-A894-811B8891BE5B}" type="slidenum">
               <a:rPr lang="zh-CN" altLang="en-US" smtClean="0"/>
               <a:t>‹#›</a:t>
             </a:fld>
@@ -1461,7 +1461,7 @@
     </p:spTree>
     <p:extLst>
       <p:ext uri="{BB962C8B-B14F-4D97-AF65-F5344CB8AC3E}">
-        <p14:creationId xmlns:p14="http://schemas.microsoft.com/office/powerpoint/2010/main" val="1753363806"/>
+        <p14:creationId xmlns:p14="http://schemas.microsoft.com/office/powerpoint/2010/main" val="3898326716"/>
       </p:ext>
     </p:extLst>
   </p:cSld>
@@ -1493,7 +1493,7 @@
           <p:cNvPr id="2" name="标题 1">
             <a:extLst>
               <a:ext uri="{FF2B5EF4-FFF2-40B4-BE49-F238E27FC236}">
-                <a16:creationId xmlns:a16="http://schemas.microsoft.com/office/drawing/2014/main" id="{6574D7F1-0C40-3D62-1E74-748EF8AD555F}"/>
+                <a16:creationId xmlns:a16="http://schemas.microsoft.com/office/drawing/2014/main" id="{EC0B5BC2-5DBC-8532-2B59-372A3EB689C4}"/>
               </a:ext>
             </a:extLst>
           </p:cNvPr>
@@ -1526,7 +1526,7 @@
           <p:cNvPr id="3" name="文本占位符 2">
             <a:extLst>
               <a:ext uri="{FF2B5EF4-FFF2-40B4-BE49-F238E27FC236}">
-                <a16:creationId xmlns:a16="http://schemas.microsoft.com/office/drawing/2014/main" id="{868709E4-3835-F2EB-AE51-4697C2288760}"/>
+                <a16:creationId xmlns:a16="http://schemas.microsoft.com/office/drawing/2014/main" id="{396FE48A-8ECA-9A6F-9A6F-4967804C5247}"/>
               </a:ext>
             </a:extLst>
           </p:cNvPr>
@@ -1597,7 +1597,7 @@
           <p:cNvPr id="4" name="内容占位符 3">
             <a:extLst>
               <a:ext uri="{FF2B5EF4-FFF2-40B4-BE49-F238E27FC236}">
-                <a16:creationId xmlns:a16="http://schemas.microsoft.com/office/drawing/2014/main" id="{238FAA42-8754-11A2-C6DC-B6BFF719671A}"/>
+                <a16:creationId xmlns:a16="http://schemas.microsoft.com/office/drawing/2014/main" id="{D622B439-D65F-AE36-8CB9-E3F0694CFE56}"/>
               </a:ext>
             </a:extLst>
           </p:cNvPr>
@@ -1659,7 +1659,7 @@
           <p:cNvPr id="5" name="文本占位符 4">
             <a:extLst>
               <a:ext uri="{FF2B5EF4-FFF2-40B4-BE49-F238E27FC236}">
-                <a16:creationId xmlns:a16="http://schemas.microsoft.com/office/drawing/2014/main" id="{AB98D26A-32FD-DD1D-8D8A-85A09371234E}"/>
+                <a16:creationId xmlns:a16="http://schemas.microsoft.com/office/drawing/2014/main" id="{D5D65961-1E41-AB02-1D70-1D85E4A05C82}"/>
               </a:ext>
             </a:extLst>
           </p:cNvPr>
@@ -1730,7 +1730,7 @@
           <p:cNvPr id="6" name="内容占位符 5">
             <a:extLst>
               <a:ext uri="{FF2B5EF4-FFF2-40B4-BE49-F238E27FC236}">
-                <a16:creationId xmlns:a16="http://schemas.microsoft.com/office/drawing/2014/main" id="{709A327B-B63F-8D7C-21E7-A1A20FD5875B}"/>
+                <a16:creationId xmlns:a16="http://schemas.microsoft.com/office/drawing/2014/main" id="{D3ABD0E5-403D-2C61-4FFC-53E2F5985A53}"/>
               </a:ext>
             </a:extLst>
           </p:cNvPr>
@@ -1792,7 +1792,7 @@
           <p:cNvPr id="7" name="日期占位符 6">
             <a:extLst>
               <a:ext uri="{FF2B5EF4-FFF2-40B4-BE49-F238E27FC236}">
-                <a16:creationId xmlns:a16="http://schemas.microsoft.com/office/drawing/2014/main" id="{7ABC9D35-7641-2C96-30DB-0FD4C60CEB30}"/>
+                <a16:creationId xmlns:a16="http://schemas.microsoft.com/office/drawing/2014/main" id="{03017686-A747-800A-DE1E-E423C1DCFA7F}"/>
               </a:ext>
             </a:extLst>
           </p:cNvPr>
@@ -1808,7 +1808,7 @@
           <a:bodyPr/>
           <a:lstStyle/>
           <a:p>
-            <a:fld id="{4E9E9B65-244C-40C7-9909-03C1F9752A6B}" type="datetimeFigureOut">
+            <a:fld id="{68DFDA69-7620-4E21-A531-21328FD170B0}" type="datetimeFigureOut">
               <a:rPr lang="zh-CN" altLang="en-US" smtClean="0"/>
               <a:t>2024/3/10</a:t>
             </a:fld>
@@ -1821,7 +1821,7 @@
           <p:cNvPr id="8" name="页脚占位符 7">
             <a:extLst>
               <a:ext uri="{FF2B5EF4-FFF2-40B4-BE49-F238E27FC236}">
-                <a16:creationId xmlns:a16="http://schemas.microsoft.com/office/drawing/2014/main" id="{36197EBE-702E-F355-6373-4B17BB92EEE8}"/>
+                <a16:creationId xmlns:a16="http://schemas.microsoft.com/office/drawing/2014/main" id="{20DD15B6-EC9A-E01D-1018-50D93FCA423C}"/>
               </a:ext>
             </a:extLst>
           </p:cNvPr>
@@ -1846,7 +1846,7 @@
           <p:cNvPr id="9" name="灯片编号占位符 8">
             <a:extLst>
               <a:ext uri="{FF2B5EF4-FFF2-40B4-BE49-F238E27FC236}">
-                <a16:creationId xmlns:a16="http://schemas.microsoft.com/office/drawing/2014/main" id="{13FCB360-6B04-9BE2-3CBF-9DEBFCDC73E5}"/>
+                <a16:creationId xmlns:a16="http://schemas.microsoft.com/office/drawing/2014/main" id="{EF59EF46-5D3A-6B3D-36C4-C80A6454A805}"/>
               </a:ext>
             </a:extLst>
           </p:cNvPr>
@@ -1862,7 +1862,7 @@
           <a:bodyPr/>
           <a:lstStyle/>
           <a:p>
-            <a:fld id="{0A0DBDE4-36FE-436D-8698-D4F7C3D2F40C}" type="slidenum">
+            <a:fld id="{9E6DBB7E-C38B-483E-A894-811B8891BE5B}" type="slidenum">
               <a:rPr lang="zh-CN" altLang="en-US" smtClean="0"/>
               <a:t>‹#›</a:t>
             </a:fld>
@@ -1873,7 +1873,7 @@
     </p:spTree>
     <p:extLst>
       <p:ext uri="{BB962C8B-B14F-4D97-AF65-F5344CB8AC3E}">
-        <p14:creationId xmlns:p14="http://schemas.microsoft.com/office/powerpoint/2010/main" val="3358311333"/>
+        <p14:creationId xmlns:p14="http://schemas.microsoft.com/office/powerpoint/2010/main" val="374584086"/>
       </p:ext>
     </p:extLst>
   </p:cSld>
@@ -1905,7 +1905,7 @@
           <p:cNvPr id="2" name="标题 1">
             <a:extLst>
               <a:ext uri="{FF2B5EF4-FFF2-40B4-BE49-F238E27FC236}">
-                <a16:creationId xmlns:a16="http://schemas.microsoft.com/office/drawing/2014/main" id="{FDE1BBA3-668D-BE0A-4AF9-C15ACD05360B}"/>
+                <a16:creationId xmlns:a16="http://schemas.microsoft.com/office/drawing/2014/main" id="{6287AD73-ADBA-797F-88D4-EF06E78E4500}"/>
               </a:ext>
             </a:extLst>
           </p:cNvPr>
@@ -1933,7 +1933,7 @@
           <p:cNvPr id="3" name="日期占位符 2">
             <a:extLst>
               <a:ext uri="{FF2B5EF4-FFF2-40B4-BE49-F238E27FC236}">
-                <a16:creationId xmlns:a16="http://schemas.microsoft.com/office/drawing/2014/main" id="{F9751C6A-04AC-5363-FBA6-8DAA4466FAFA}"/>
+                <a16:creationId xmlns:a16="http://schemas.microsoft.com/office/drawing/2014/main" id="{15828761-BB1E-13B1-2394-BF7842FC4724}"/>
               </a:ext>
             </a:extLst>
           </p:cNvPr>
@@ -1949,7 +1949,7 @@
           <a:bodyPr/>
           <a:lstStyle/>
           <a:p>
-            <a:fld id="{4E9E9B65-244C-40C7-9909-03C1F9752A6B}" type="datetimeFigureOut">
+            <a:fld id="{68DFDA69-7620-4E21-A531-21328FD170B0}" type="datetimeFigureOut">
               <a:rPr lang="zh-CN" altLang="en-US" smtClean="0"/>
               <a:t>2024/3/10</a:t>
             </a:fld>
@@ -1962,7 +1962,7 @@
           <p:cNvPr id="4" name="页脚占位符 3">
             <a:extLst>
               <a:ext uri="{FF2B5EF4-FFF2-40B4-BE49-F238E27FC236}">
-                <a16:creationId xmlns:a16="http://schemas.microsoft.com/office/drawing/2014/main" id="{81DED2D6-18B9-EF1D-C5A2-EE7EFE01CFC4}"/>
+                <a16:creationId xmlns:a16="http://schemas.microsoft.com/office/drawing/2014/main" id="{7CA5AF8D-9CFF-26F4-6868-DE1DD48A8C67}"/>
               </a:ext>
             </a:extLst>
           </p:cNvPr>
@@ -1987,7 +1987,7 @@
           <p:cNvPr id="5" name="灯片编号占位符 4">
             <a:extLst>
               <a:ext uri="{FF2B5EF4-FFF2-40B4-BE49-F238E27FC236}">
-                <a16:creationId xmlns:a16="http://schemas.microsoft.com/office/drawing/2014/main" id="{75D35DF7-6D60-5F63-28D0-3669C45F68E3}"/>
+                <a16:creationId xmlns:a16="http://schemas.microsoft.com/office/drawing/2014/main" id="{4C35BE96-0C0A-4CC1-FCB3-46E6121C1573}"/>
               </a:ext>
             </a:extLst>
           </p:cNvPr>
@@ -2003,7 +2003,7 @@
           <a:bodyPr/>
           <a:lstStyle/>
           <a:p>
-            <a:fld id="{0A0DBDE4-36FE-436D-8698-D4F7C3D2F40C}" type="slidenum">
+            <a:fld id="{9E6DBB7E-C38B-483E-A894-811B8891BE5B}" type="slidenum">
               <a:rPr lang="zh-CN" altLang="en-US" smtClean="0"/>
               <a:t>‹#›</a:t>
             </a:fld>
@@ -2014,7 +2014,7 @@
     </p:spTree>
     <p:extLst>
       <p:ext uri="{BB962C8B-B14F-4D97-AF65-F5344CB8AC3E}">
-        <p14:creationId xmlns:p14="http://schemas.microsoft.com/office/powerpoint/2010/main" val="899252220"/>
+        <p14:creationId xmlns:p14="http://schemas.microsoft.com/office/powerpoint/2010/main" val="619996850"/>
       </p:ext>
     </p:extLst>
   </p:cSld>
@@ -2046,7 +2046,7 @@
           <p:cNvPr id="2" name="日期占位符 1">
             <a:extLst>
               <a:ext uri="{FF2B5EF4-FFF2-40B4-BE49-F238E27FC236}">
-                <a16:creationId xmlns:a16="http://schemas.microsoft.com/office/drawing/2014/main" id="{2DDF54CB-1A76-764B-3328-0260B8D1493D}"/>
+                <a16:creationId xmlns:a16="http://schemas.microsoft.com/office/drawing/2014/main" id="{3AB9C659-BC87-9D79-98D7-E90ED75F347B}"/>
               </a:ext>
             </a:extLst>
           </p:cNvPr>
@@ -2062,7 +2062,7 @@
           <a:bodyPr/>
           <a:lstStyle/>
           <a:p>
-            <a:fld id="{4E9E9B65-244C-40C7-9909-03C1F9752A6B}" type="datetimeFigureOut">
+            <a:fld id="{68DFDA69-7620-4E21-A531-21328FD170B0}" type="datetimeFigureOut">
               <a:rPr lang="zh-CN" altLang="en-US" smtClean="0"/>
               <a:t>2024/3/10</a:t>
             </a:fld>
@@ -2075,7 +2075,7 @@
           <p:cNvPr id="3" name="页脚占位符 2">
             <a:extLst>
               <a:ext uri="{FF2B5EF4-FFF2-40B4-BE49-F238E27FC236}">
-                <a16:creationId xmlns:a16="http://schemas.microsoft.com/office/drawing/2014/main" id="{768A1159-6799-9C0A-E279-662527CB60ED}"/>
+                <a16:creationId xmlns:a16="http://schemas.microsoft.com/office/drawing/2014/main" id="{1B1BCA64-0223-8400-4F50-347A61DA9C1C}"/>
               </a:ext>
             </a:extLst>
           </p:cNvPr>
@@ -2100,7 +2100,7 @@
           <p:cNvPr id="4" name="灯片编号占位符 3">
             <a:extLst>
               <a:ext uri="{FF2B5EF4-FFF2-40B4-BE49-F238E27FC236}">
-                <a16:creationId xmlns:a16="http://schemas.microsoft.com/office/drawing/2014/main" id="{8CD5FCEB-4621-E6B5-3DA2-66823A018A80}"/>
+                <a16:creationId xmlns:a16="http://schemas.microsoft.com/office/drawing/2014/main" id="{FCDCFFFA-AC11-0AD6-2D19-F7B8811684F3}"/>
               </a:ext>
             </a:extLst>
           </p:cNvPr>
@@ -2116,7 +2116,7 @@
           <a:bodyPr/>
           <a:lstStyle/>
           <a:p>
-            <a:fld id="{0A0DBDE4-36FE-436D-8698-D4F7C3D2F40C}" type="slidenum">
+            <a:fld id="{9E6DBB7E-C38B-483E-A894-811B8891BE5B}" type="slidenum">
               <a:rPr lang="zh-CN" altLang="en-US" smtClean="0"/>
               <a:t>‹#›</a:t>
             </a:fld>
@@ -2127,7 +2127,7 @@
     </p:spTree>
     <p:extLst>
       <p:ext uri="{BB962C8B-B14F-4D97-AF65-F5344CB8AC3E}">
-        <p14:creationId xmlns:p14="http://schemas.microsoft.com/office/powerpoint/2010/main" val="2683564082"/>
+        <p14:creationId xmlns:p14="http://schemas.microsoft.com/office/powerpoint/2010/main" val="3019051708"/>
       </p:ext>
     </p:extLst>
   </p:cSld>
@@ -2159,7 +2159,7 @@
           <p:cNvPr id="2" name="标题 1">
             <a:extLst>
               <a:ext uri="{FF2B5EF4-FFF2-40B4-BE49-F238E27FC236}">
-                <a16:creationId xmlns:a16="http://schemas.microsoft.com/office/drawing/2014/main" id="{086AD7CD-0128-A4A8-F442-E96E52F48DDB}"/>
+                <a16:creationId xmlns:a16="http://schemas.microsoft.com/office/drawing/2014/main" id="{DC4AC14D-3B7F-8C50-5705-EC7720D76EE7}"/>
               </a:ext>
             </a:extLst>
           </p:cNvPr>
@@ -2196,7 +2196,7 @@
           <p:cNvPr id="3" name="内容占位符 2">
             <a:extLst>
               <a:ext uri="{FF2B5EF4-FFF2-40B4-BE49-F238E27FC236}">
-                <a16:creationId xmlns:a16="http://schemas.microsoft.com/office/drawing/2014/main" id="{7ADB0BE5-1D24-154C-50B3-1E837209A6E2}"/>
+                <a16:creationId xmlns:a16="http://schemas.microsoft.com/office/drawing/2014/main" id="{148EC7FF-F259-6849-A690-316AFA64B965}"/>
               </a:ext>
             </a:extLst>
           </p:cNvPr>
@@ -2286,7 +2286,7 @@
           <p:cNvPr id="4" name="文本占位符 3">
             <a:extLst>
               <a:ext uri="{FF2B5EF4-FFF2-40B4-BE49-F238E27FC236}">
-                <a16:creationId xmlns:a16="http://schemas.microsoft.com/office/drawing/2014/main" id="{01E29402-0AE9-4CD7-7027-231E6F08E777}"/>
+                <a16:creationId xmlns:a16="http://schemas.microsoft.com/office/drawing/2014/main" id="{11EF1759-0019-A0B2-33D8-ACAF864D619F}"/>
               </a:ext>
             </a:extLst>
           </p:cNvPr>
@@ -2357,7 +2357,7 @@
           <p:cNvPr id="5" name="日期占位符 4">
             <a:extLst>
               <a:ext uri="{FF2B5EF4-FFF2-40B4-BE49-F238E27FC236}">
-                <a16:creationId xmlns:a16="http://schemas.microsoft.com/office/drawing/2014/main" id="{45721DC1-3EDF-129F-0C36-E0DBAD66940E}"/>
+                <a16:creationId xmlns:a16="http://schemas.microsoft.com/office/drawing/2014/main" id="{8229DD53-50CA-E33F-7565-F67AD058C381}"/>
               </a:ext>
             </a:extLst>
           </p:cNvPr>
@@ -2373,7 +2373,7 @@
           <a:bodyPr/>
           <a:lstStyle/>
           <a:p>
-            <a:fld id="{4E9E9B65-244C-40C7-9909-03C1F9752A6B}" type="datetimeFigureOut">
+            <a:fld id="{68DFDA69-7620-4E21-A531-21328FD170B0}" type="datetimeFigureOut">
               <a:rPr lang="zh-CN" altLang="en-US" smtClean="0"/>
               <a:t>2024/3/10</a:t>
             </a:fld>
@@ -2386,7 +2386,7 @@
           <p:cNvPr id="6" name="页脚占位符 5">
             <a:extLst>
               <a:ext uri="{FF2B5EF4-FFF2-40B4-BE49-F238E27FC236}">
-                <a16:creationId xmlns:a16="http://schemas.microsoft.com/office/drawing/2014/main" id="{B2FB0AB8-9316-1C82-7307-27BDEF76F363}"/>
+                <a16:creationId xmlns:a16="http://schemas.microsoft.com/office/drawing/2014/main" id="{BBD4B06D-9F01-9143-B7CC-9F2E11A00061}"/>
               </a:ext>
             </a:extLst>
           </p:cNvPr>
@@ -2411,7 +2411,7 @@
           <p:cNvPr id="7" name="灯片编号占位符 6">
             <a:extLst>
               <a:ext uri="{FF2B5EF4-FFF2-40B4-BE49-F238E27FC236}">
-                <a16:creationId xmlns:a16="http://schemas.microsoft.com/office/drawing/2014/main" id="{CCBA40A1-9DE0-77E6-91ED-1E33F7B87F6B}"/>
+                <a16:creationId xmlns:a16="http://schemas.microsoft.com/office/drawing/2014/main" id="{1D7345F9-F49D-3544-450B-F2606695FC3D}"/>
               </a:ext>
             </a:extLst>
           </p:cNvPr>
@@ -2427,7 +2427,7 @@
           <a:bodyPr/>
           <a:lstStyle/>
           <a:p>
-            <a:fld id="{0A0DBDE4-36FE-436D-8698-D4F7C3D2F40C}" type="slidenum">
+            <a:fld id="{9E6DBB7E-C38B-483E-A894-811B8891BE5B}" type="slidenum">
               <a:rPr lang="zh-CN" altLang="en-US" smtClean="0"/>
               <a:t>‹#›</a:t>
             </a:fld>
@@ -2438,7 +2438,7 @@
     </p:spTree>
     <p:extLst>
       <p:ext uri="{BB962C8B-B14F-4D97-AF65-F5344CB8AC3E}">
-        <p14:creationId xmlns:p14="http://schemas.microsoft.com/office/powerpoint/2010/main" val="3533291193"/>
+        <p14:creationId xmlns:p14="http://schemas.microsoft.com/office/powerpoint/2010/main" val="1632623050"/>
       </p:ext>
     </p:extLst>
   </p:cSld>
@@ -2470,7 +2470,7 @@
           <p:cNvPr id="2" name="标题 1">
             <a:extLst>
               <a:ext uri="{FF2B5EF4-FFF2-40B4-BE49-F238E27FC236}">
-                <a16:creationId xmlns:a16="http://schemas.microsoft.com/office/drawing/2014/main" id="{98A13071-094B-20D4-3FA2-5C75D17E8795}"/>
+                <a16:creationId xmlns:a16="http://schemas.microsoft.com/office/drawing/2014/main" id="{0F96527F-F9B2-62F4-33D4-ECE67F6DBA6B}"/>
               </a:ext>
             </a:extLst>
           </p:cNvPr>
@@ -2507,7 +2507,7 @@
           <p:cNvPr id="3" name="图片占位符 2">
             <a:extLst>
               <a:ext uri="{FF2B5EF4-FFF2-40B4-BE49-F238E27FC236}">
-                <a16:creationId xmlns:a16="http://schemas.microsoft.com/office/drawing/2014/main" id="{401ABDD3-F0B1-6BCD-6D2F-BE495B1A706E}"/>
+                <a16:creationId xmlns:a16="http://schemas.microsoft.com/office/drawing/2014/main" id="{DCA588F1-7583-2725-8AA5-89C0AA2B0442}"/>
               </a:ext>
             </a:extLst>
           </p:cNvPr>
@@ -2574,7 +2574,7 @@
           <p:cNvPr id="4" name="文本占位符 3">
             <a:extLst>
               <a:ext uri="{FF2B5EF4-FFF2-40B4-BE49-F238E27FC236}">
-                <a16:creationId xmlns:a16="http://schemas.microsoft.com/office/drawing/2014/main" id="{558B357D-F3E9-1554-DD55-D1ABF1F4A8B6}"/>
+                <a16:creationId xmlns:a16="http://schemas.microsoft.com/office/drawing/2014/main" id="{05236D9A-C42E-4C6E-58FC-114263B2650C}"/>
               </a:ext>
             </a:extLst>
           </p:cNvPr>
@@ -2645,7 +2645,7 @@
           <p:cNvPr id="5" name="日期占位符 4">
             <a:extLst>
               <a:ext uri="{FF2B5EF4-FFF2-40B4-BE49-F238E27FC236}">
-                <a16:creationId xmlns:a16="http://schemas.microsoft.com/office/drawing/2014/main" id="{64ED88FD-4BEB-184E-8A47-27544C6E7F3E}"/>
+                <a16:creationId xmlns:a16="http://schemas.microsoft.com/office/drawing/2014/main" id="{AF84CFB6-23FA-6B22-1C44-89B18F2C613C}"/>
               </a:ext>
             </a:extLst>
           </p:cNvPr>
@@ -2661,7 +2661,7 @@
           <a:bodyPr/>
           <a:lstStyle/>
           <a:p>
-            <a:fld id="{4E9E9B65-244C-40C7-9909-03C1F9752A6B}" type="datetimeFigureOut">
+            <a:fld id="{68DFDA69-7620-4E21-A531-21328FD170B0}" type="datetimeFigureOut">
               <a:rPr lang="zh-CN" altLang="en-US" smtClean="0"/>
               <a:t>2024/3/10</a:t>
             </a:fld>
@@ -2674,7 +2674,7 @@
           <p:cNvPr id="6" name="页脚占位符 5">
             <a:extLst>
               <a:ext uri="{FF2B5EF4-FFF2-40B4-BE49-F238E27FC236}">
-                <a16:creationId xmlns:a16="http://schemas.microsoft.com/office/drawing/2014/main" id="{180B056A-1C4A-414B-F563-CC772435807E}"/>
+                <a16:creationId xmlns:a16="http://schemas.microsoft.com/office/drawing/2014/main" id="{81ECB35F-DA2D-302B-91FF-0CBEC3D5A846}"/>
               </a:ext>
             </a:extLst>
           </p:cNvPr>
@@ -2699,7 +2699,7 @@
           <p:cNvPr id="7" name="灯片编号占位符 6">
             <a:extLst>
               <a:ext uri="{FF2B5EF4-FFF2-40B4-BE49-F238E27FC236}">
-                <a16:creationId xmlns:a16="http://schemas.microsoft.com/office/drawing/2014/main" id="{38B96F3A-3742-FBBE-A265-93F43AAFDF2A}"/>
+                <a16:creationId xmlns:a16="http://schemas.microsoft.com/office/drawing/2014/main" id="{9BE72503-4D2B-8F38-722D-AB757B103918}"/>
               </a:ext>
             </a:extLst>
           </p:cNvPr>
@@ -2715,7 +2715,7 @@
           <a:bodyPr/>
           <a:lstStyle/>
           <a:p>
-            <a:fld id="{0A0DBDE4-36FE-436D-8698-D4F7C3D2F40C}" type="slidenum">
+            <a:fld id="{9E6DBB7E-C38B-483E-A894-811B8891BE5B}" type="slidenum">
               <a:rPr lang="zh-CN" altLang="en-US" smtClean="0"/>
               <a:t>‹#›</a:t>
             </a:fld>
@@ -2726,7 +2726,7 @@
     </p:spTree>
     <p:extLst>
       <p:ext uri="{BB962C8B-B14F-4D97-AF65-F5344CB8AC3E}">
-        <p14:creationId xmlns:p14="http://schemas.microsoft.com/office/powerpoint/2010/main" val="4005939319"/>
+        <p14:creationId xmlns:p14="http://schemas.microsoft.com/office/powerpoint/2010/main" val="172438632"/>
       </p:ext>
     </p:extLst>
   </p:cSld>
@@ -2763,7 +2763,7 @@
           <p:cNvPr id="2" name="标题占位符 1">
             <a:extLst>
               <a:ext uri="{FF2B5EF4-FFF2-40B4-BE49-F238E27FC236}">
-                <a16:creationId xmlns:a16="http://schemas.microsoft.com/office/drawing/2014/main" id="{7FF7CA5D-12D1-E2DC-E2FF-11E72F64D309}"/>
+                <a16:creationId xmlns:a16="http://schemas.microsoft.com/office/drawing/2014/main" id="{28EA0BAB-F97A-15D1-E26B-AC66912F73CB}"/>
               </a:ext>
             </a:extLst>
           </p:cNvPr>
@@ -2801,7 +2801,7 @@
           <p:cNvPr id="3" name="文本占位符 2">
             <a:extLst>
               <a:ext uri="{FF2B5EF4-FFF2-40B4-BE49-F238E27FC236}">
-                <a16:creationId xmlns:a16="http://schemas.microsoft.com/office/drawing/2014/main" id="{16F771CF-0A45-19F8-56F2-687910CF46BD}"/>
+                <a16:creationId xmlns:a16="http://schemas.microsoft.com/office/drawing/2014/main" id="{5AF787C3-AB96-89F3-629E-21AF87ED8A8A}"/>
               </a:ext>
             </a:extLst>
           </p:cNvPr>
@@ -2868,7 +2868,7 @@
           <p:cNvPr id="4" name="日期占位符 3">
             <a:extLst>
               <a:ext uri="{FF2B5EF4-FFF2-40B4-BE49-F238E27FC236}">
-                <a16:creationId xmlns:a16="http://schemas.microsoft.com/office/drawing/2014/main" id="{383230E8-7773-7BD2-0C84-AF86761DB097}"/>
+                <a16:creationId xmlns:a16="http://schemas.microsoft.com/office/drawing/2014/main" id="{7F7B7BEE-7A3C-9A7D-1B73-E10997E5FAFA}"/>
               </a:ext>
             </a:extLst>
           </p:cNvPr>
@@ -2902,7 +2902,7 @@
             </a:lvl1pPr>
           </a:lstStyle>
           <a:p>
-            <a:fld id="{4E9E9B65-244C-40C7-9909-03C1F9752A6B}" type="datetimeFigureOut">
+            <a:fld id="{68DFDA69-7620-4E21-A531-21328FD170B0}" type="datetimeFigureOut">
               <a:rPr lang="zh-CN" altLang="en-US" smtClean="0"/>
               <a:t>2024/3/10</a:t>
             </a:fld>
@@ -2915,7 +2915,7 @@
           <p:cNvPr id="5" name="页脚占位符 4">
             <a:extLst>
               <a:ext uri="{FF2B5EF4-FFF2-40B4-BE49-F238E27FC236}">
-                <a16:creationId xmlns:a16="http://schemas.microsoft.com/office/drawing/2014/main" id="{D8D9BD1C-FA87-CD65-D0FF-DF26A6171733}"/>
+                <a16:creationId xmlns:a16="http://schemas.microsoft.com/office/drawing/2014/main" id="{73379221-185C-DE77-31F7-FB909F834928}"/>
               </a:ext>
             </a:extLst>
           </p:cNvPr>
@@ -2958,7 +2958,7 @@
           <p:cNvPr id="6" name="灯片编号占位符 5">
             <a:extLst>
               <a:ext uri="{FF2B5EF4-FFF2-40B4-BE49-F238E27FC236}">
-                <a16:creationId xmlns:a16="http://schemas.microsoft.com/office/drawing/2014/main" id="{C1C8CD97-2377-C013-9B74-2294DF43AB18}"/>
+                <a16:creationId xmlns:a16="http://schemas.microsoft.com/office/drawing/2014/main" id="{FE93D917-B285-FFAB-C0CF-79E94B4D98B7}"/>
               </a:ext>
             </a:extLst>
           </p:cNvPr>
@@ -2992,7 +2992,7 @@
             </a:lvl1pPr>
           </a:lstStyle>
           <a:p>
-            <a:fld id="{0A0DBDE4-36FE-436D-8698-D4F7C3D2F40C}" type="slidenum">
+            <a:fld id="{9E6DBB7E-C38B-483E-A894-811B8891BE5B}" type="slidenum">
               <a:rPr lang="zh-CN" altLang="en-US" smtClean="0"/>
               <a:t>‹#›</a:t>
             </a:fld>
@@ -3003,7 +3003,7 @@
     </p:spTree>
     <p:extLst>
       <p:ext uri="{BB962C8B-B14F-4D97-AF65-F5344CB8AC3E}">
-        <p14:creationId xmlns:p14="http://schemas.microsoft.com/office/powerpoint/2010/main" val="4186697499"/>
+        <p14:creationId xmlns:p14="http://schemas.microsoft.com/office/powerpoint/2010/main" val="1700835309"/>
       </p:ext>
     </p:extLst>
   </p:cSld>
@@ -3323,7 +3323,7 @@
       </p:grpSpPr>
       <p:pic>
         <p:nvPicPr>
-          <p:cNvPr id="577538" name="Picture 2" descr="563"/>
+          <p:cNvPr id="578562" name="Picture 2" descr="564"/>
           <p:cNvPicPr>
             <a:picLocks noChangeAspect="1" noChangeArrowheads="1"/>
           </p:cNvPicPr>
@@ -3345,7 +3345,7 @@
         <p:spPr bwMode="auto">
           <a:xfrm>
             <a:off x="1524000" y="0"/>
-            <a:ext cx="9144000" cy="5805488"/>
+            <a:ext cx="9144000" cy="6858000"/>
           </a:xfrm>
           <a:prstGeom prst="rect">
             <a:avLst/>
@@ -3375,11 +3375,158 @@
           </a:extLst>
         </p:spPr>
       </p:pic>
+      <p:pic>
+        <p:nvPicPr>
+          <p:cNvPr id="579587" name="Picture 3" descr="564-2"/>
+          <p:cNvPicPr>
+            <a:picLocks noChangeAspect="1" noChangeArrowheads="1"/>
+          </p:cNvPicPr>
+          <p:nvPr/>
+        </p:nvPicPr>
+        <p:blipFill>
+          <a:blip r:embed="rId3">
+            <a:extLst>
+              <a:ext uri="{28A0092B-C50C-407E-A947-70E740481C1C}">
+                <a14:useLocalDpi xmlns:a14="http://schemas.microsoft.com/office/drawing/2010/main" val="0"/>
+              </a:ext>
+            </a:extLst>
+          </a:blip>
+          <a:srcRect/>
+          <a:stretch>
+            <a:fillRect/>
+          </a:stretch>
+        </p:blipFill>
+        <p:spPr bwMode="auto">
+          <a:xfrm>
+            <a:off x="1524000" y="0"/>
+            <a:ext cx="9144000" cy="6858000"/>
+          </a:xfrm>
+          <a:prstGeom prst="rect">
+            <a:avLst/>
+          </a:prstGeom>
+          <a:noFill/>
+          <a:ln>
+            <a:noFill/>
+          </a:ln>
+          <a:effectLst/>
+          <a:extLst>
+            <a:ext uri="{909E8E84-426E-40DD-AFC4-6F175D3DCCD1}">
+              <a14:hiddenFill xmlns:a14="http://schemas.microsoft.com/office/drawing/2010/main">
+                <a:solidFill>
+                  <a:srgbClr val="FFFFFF"/>
+                </a:solidFill>
+              </a14:hiddenFill>
+            </a:ext>
+            <a:ext uri="{91240B29-F687-4F45-9708-019B960494DF}">
+              <a14:hiddenLine xmlns:a14="http://schemas.microsoft.com/office/drawing/2010/main" w="9525">
+                <a:solidFill>
+                  <a:srgbClr val="000000"/>
+                </a:solidFill>
+                <a:miter lim="800000"/>
+                <a:headEnd/>
+                <a:tailEnd/>
+              </a14:hiddenLine>
+            </a:ext>
+            <a:ext uri="{AF507438-7753-43E0-B8FC-AC1667EBCBE1}">
+              <a14:hiddenEffects xmlns:a14="http://schemas.microsoft.com/office/drawing/2010/main">
+                <a:effectLst>
+                  <a:outerShdw dist="35921" dir="2700000" algn="ctr" rotWithShape="0">
+                    <a:srgbClr val="808080"/>
+                  </a:outerShdw>
+                </a:effectLst>
+              </a14:hiddenEffects>
+            </a:ext>
+          </a:extLst>
+        </p:spPr>
+      </p:pic>
     </p:spTree>
   </p:cSld>
   <p:clrMapOvr>
     <a:masterClrMapping/>
   </p:clrMapOvr>
+  <p:timing>
+    <p:tnLst>
+      <p:par>
+        <p:cTn id="1" dur="indefinite" restart="never" nodeType="tmRoot">
+          <p:childTnLst>
+            <p:seq concurrent="1" nextAc="seek">
+              <p:cTn id="2" dur="indefinite" nodeType="mainSeq">
+                <p:childTnLst>
+                  <p:par>
+                    <p:cTn id="3" fill="hold" nodeType="clickPar">
+                      <p:stCondLst>
+                        <p:cond delay="indefinite"/>
+                      </p:stCondLst>
+                      <p:childTnLst>
+                        <p:par>
+                          <p:cTn id="4" fill="hold" nodeType="withGroup">
+                            <p:stCondLst>
+                              <p:cond delay="0"/>
+                            </p:stCondLst>
+                            <p:childTnLst>
+                              <p:par>
+                                <p:cTn id="5" presetID="10" presetClass="entr" presetSubtype="0" fill="hold" nodeType="clickEffect">
+                                  <p:stCondLst>
+                                    <p:cond delay="0"/>
+                                  </p:stCondLst>
+                                  <p:childTnLst>
+                                    <p:set>
+                                      <p:cBhvr>
+                                        <p:cTn id="6" dur="1" fill="hold">
+                                          <p:stCondLst>
+                                            <p:cond delay="0"/>
+                                          </p:stCondLst>
+                                        </p:cTn>
+                                        <p:tgtEl>
+                                          <p:spTgt spid="579587"/>
+                                        </p:tgtEl>
+                                        <p:attrNameLst>
+                                          <p:attrName>style.visibility</p:attrName>
+                                        </p:attrNameLst>
+                                      </p:cBhvr>
+                                      <p:to>
+                                        <p:strVal val="visible"/>
+                                      </p:to>
+                                    </p:set>
+                                    <p:animEffect transition="in" filter="fade">
+                                      <p:cBhvr>
+                                        <p:cTn id="7" dur="500"/>
+                                        <p:tgtEl>
+                                          <p:spTgt spid="579587"/>
+                                        </p:tgtEl>
+                                      </p:cBhvr>
+                                    </p:animEffect>
+                                  </p:childTnLst>
+                                </p:cTn>
+                              </p:par>
+                            </p:childTnLst>
+                          </p:cTn>
+                        </p:par>
+                      </p:childTnLst>
+                    </p:cTn>
+                  </p:par>
+                </p:childTnLst>
+              </p:cTn>
+              <p:prevCondLst>
+                <p:cond evt="onPrev" delay="0">
+                  <p:tgtEl>
+                    <p:sldTgt/>
+                  </p:tgtEl>
+                </p:cond>
+              </p:prevCondLst>
+              <p:nextCondLst>
+                <p:cond evt="onNext" delay="0">
+                  <p:tgtEl>
+                    <p:sldTgt/>
+                  </p:tgtEl>
+                </p:cond>
+              </p:nextCondLst>
+            </p:seq>
+          </p:childTnLst>
+        </p:cTn>
+      </p:par>
+    </p:tnLst>
+  </p:timing>
 </p:sld>
 </file>
 
